--- a/04-benchmark-advanced/cpu.pptx
+++ b/04-benchmark-advanced/cpu.pptx
@@ -5,17 +5,19 @@
     <p:sldMasterId id="2147483707" r:id="rId1"/>
   </p:sldMasterIdLst>
   <p:sldIdLst>
-    <p:sldId id="256" r:id="rId2"/>
-    <p:sldId id="257" r:id="rId3"/>
-    <p:sldId id="258" r:id="rId4"/>
-    <p:sldId id="259" r:id="rId5"/>
-    <p:sldId id="260" r:id="rId6"/>
-    <p:sldId id="261" r:id="rId7"/>
-    <p:sldId id="262" r:id="rId8"/>
-    <p:sldId id="263" r:id="rId9"/>
-    <p:sldId id="264" r:id="rId10"/>
-    <p:sldId id="265" r:id="rId11"/>
-    <p:sldId id="266" r:id="rId12"/>
+    <p:sldId id="267" r:id="rId2"/>
+    <p:sldId id="268" r:id="rId3"/>
+    <p:sldId id="256" r:id="rId4"/>
+    <p:sldId id="257" r:id="rId5"/>
+    <p:sldId id="258" r:id="rId6"/>
+    <p:sldId id="259" r:id="rId7"/>
+    <p:sldId id="260" r:id="rId8"/>
+    <p:sldId id="261" r:id="rId9"/>
+    <p:sldId id="262" r:id="rId10"/>
+    <p:sldId id="263" r:id="rId11"/>
+    <p:sldId id="264" r:id="rId12"/>
+    <p:sldId id="265" r:id="rId13"/>
+    <p:sldId id="266" r:id="rId14"/>
   </p:sldIdLst>
   <p:sldSz cx="12192000" cy="6858000"/>
   <p:notesSz cx="6858000" cy="9144000"/>
@@ -114,6 +116,11 @@
       </a:defRPr>
     </a:lvl9pPr>
   </p:defaultTextStyle>
+  <p:extLst>
+    <p:ext uri="{EFAFB233-063F-42B5-8137-9DF3F51BA10A}">
+      <p15:sldGuideLst xmlns:p15="http://schemas.microsoft.com/office/powerpoint/2012/main"/>
+    </p:ext>
+  </p:extLst>
 </p:presentation>
 </file>
 
@@ -307,7 +314,7 @@
           <a:p>
             <a:fld id="{6483C6A5-2530-4A7F-B8CE-5C38EAD024F5}" type="datetimeFigureOut">
               <a:rPr lang="it-IT" smtClean="0"/>
-              <a:t>23/09/2019</a:t>
+              <a:t>15/10/2019</a:t>
             </a:fld>
             <a:endParaRPr lang="it-IT"/>
           </a:p>
@@ -512,7 +519,7 @@
           <a:p>
             <a:fld id="{6483C6A5-2530-4A7F-B8CE-5C38EAD024F5}" type="datetimeFigureOut">
               <a:rPr lang="it-IT" smtClean="0"/>
-              <a:t>23/09/2019</a:t>
+              <a:t>15/10/2019</a:t>
             </a:fld>
             <a:endParaRPr lang="it-IT"/>
           </a:p>
@@ -692,7 +699,7 @@
           <a:p>
             <a:fld id="{6483C6A5-2530-4A7F-B8CE-5C38EAD024F5}" type="datetimeFigureOut">
               <a:rPr lang="it-IT" smtClean="0"/>
-              <a:t>23/09/2019</a:t>
+              <a:t>15/10/2019</a:t>
             </a:fld>
             <a:endParaRPr lang="it-IT"/>
           </a:p>
@@ -897,7 +904,7 @@
           <a:p>
             <a:fld id="{6483C6A5-2530-4A7F-B8CE-5C38EAD024F5}" type="datetimeFigureOut">
               <a:rPr lang="it-IT" smtClean="0"/>
-              <a:t>23/09/2019</a:t>
+              <a:t>15/10/2019</a:t>
             </a:fld>
             <a:endParaRPr lang="it-IT"/>
           </a:p>
@@ -1192,7 +1199,7 @@
           <a:p>
             <a:fld id="{6483C6A5-2530-4A7F-B8CE-5C38EAD024F5}" type="datetimeFigureOut">
               <a:rPr lang="it-IT" smtClean="0"/>
-              <a:t>23/09/2019</a:t>
+              <a:t>15/10/2019</a:t>
             </a:fld>
             <a:endParaRPr lang="it-IT"/>
           </a:p>
@@ -1464,7 +1471,7 @@
           <a:p>
             <a:fld id="{6483C6A5-2530-4A7F-B8CE-5C38EAD024F5}" type="datetimeFigureOut">
               <a:rPr lang="it-IT" smtClean="0"/>
-              <a:t>23/09/2019</a:t>
+              <a:t>15/10/2019</a:t>
             </a:fld>
             <a:endParaRPr lang="it-IT"/>
           </a:p>
@@ -1871,7 +1878,7 @@
           <a:p>
             <a:fld id="{6483C6A5-2530-4A7F-B8CE-5C38EAD024F5}" type="datetimeFigureOut">
               <a:rPr lang="it-IT" smtClean="0"/>
-              <a:t>23/09/2019</a:t>
+              <a:t>15/10/2019</a:t>
             </a:fld>
             <a:endParaRPr lang="it-IT"/>
           </a:p>
@@ -1989,7 +1996,7 @@
           <a:p>
             <a:fld id="{6483C6A5-2530-4A7F-B8CE-5C38EAD024F5}" type="datetimeFigureOut">
               <a:rPr lang="it-IT" smtClean="0"/>
-              <a:t>23/09/2019</a:t>
+              <a:t>15/10/2019</a:t>
             </a:fld>
             <a:endParaRPr lang="it-IT"/>
           </a:p>
@@ -2084,7 +2091,7 @@
           <a:p>
             <a:fld id="{6483C6A5-2530-4A7F-B8CE-5C38EAD024F5}" type="datetimeFigureOut">
               <a:rPr lang="it-IT" smtClean="0"/>
-              <a:t>23/09/2019</a:t>
+              <a:t>15/10/2019</a:t>
             </a:fld>
             <a:endParaRPr lang="it-IT"/>
           </a:p>
@@ -2374,7 +2381,7 @@
           <a:p>
             <a:fld id="{6483C6A5-2530-4A7F-B8CE-5C38EAD024F5}" type="datetimeFigureOut">
               <a:rPr lang="it-IT" smtClean="0"/>
-              <a:t>23/09/2019</a:t>
+              <a:t>15/10/2019</a:t>
             </a:fld>
             <a:endParaRPr lang="it-IT"/>
           </a:p>
@@ -2654,7 +2661,7 @@
           <a:p>
             <a:fld id="{6483C6A5-2530-4A7F-B8CE-5C38EAD024F5}" type="datetimeFigureOut">
               <a:rPr lang="it-IT" smtClean="0"/>
-              <a:t>23/09/2019</a:t>
+              <a:t>15/10/2019</a:t>
             </a:fld>
             <a:endParaRPr lang="it-IT"/>
           </a:p>
@@ -2904,7 +2911,7 @@
           <a:p>
             <a:fld id="{6483C6A5-2530-4A7F-B8CE-5C38EAD024F5}" type="datetimeFigureOut">
               <a:rPr lang="it-IT" smtClean="0"/>
-              <a:t>23/09/2019</a:t>
+              <a:t>15/10/2019</a:t>
             </a:fld>
             <a:endParaRPr lang="it-IT"/>
           </a:p>
@@ -3438,44 +3445,24 @@
         </p:spPr>
         <p:txBody>
           <a:bodyPr anchor="b">
-            <a:normAutofit fontScale="90000"/>
+            <a:normAutofit/>
           </a:bodyPr>
           <a:lstStyle/>
           <a:p>
             <a:pPr algn="l"/>
             <a:r>
-              <a:rPr lang="it-IT" sz="4400" dirty="0" err="1"/>
-              <a:t>Registers</a:t>
-            </a:r>
-            <a:r>
               <a:rPr lang="it-IT" sz="4400" dirty="0"/>
-              <a:t> And </a:t>
-            </a:r>
-            <a:r>
-              <a:rPr lang="it-IT" sz="4400" dirty="0" err="1"/>
-              <a:t>Stack</a:t>
-            </a:r>
-            <a:r>
-              <a:rPr lang="it-IT" sz="4400" dirty="0"/>
-              <a:t> – </a:t>
-            </a:r>
-            <a:r>
-              <a:rPr lang="it-IT" sz="4400" dirty="0" err="1"/>
-              <a:t>struct</a:t>
-            </a:r>
-            <a:r>
-              <a:rPr lang="it-IT" sz="4400" dirty="0"/>
-              <a:t> promotion</a:t>
+              <a:t>CPU BOUND BENCHMARKS</a:t>
             </a:r>
           </a:p>
         </p:txBody>
       </p:sp>
       <p:pic>
         <p:nvPicPr>
-          <p:cNvPr id="4" name="Immagine 3">
+          <p:cNvPr id="3" name="Immagine 2">
             <a:extLst>
               <a:ext uri="{FF2B5EF4-FFF2-40B4-BE49-F238E27FC236}">
-                <a16:creationId xmlns:a16="http://schemas.microsoft.com/office/drawing/2014/main" id="{1F815C85-D77A-40F0-B711-8B94823E168B}"/>
+                <a16:creationId xmlns:a16="http://schemas.microsoft.com/office/drawing/2014/main" id="{9BF3BC41-5215-4789-B912-C595BE1186AC}"/>
               </a:ext>
             </a:extLst>
           </p:cNvPr>
@@ -3492,8 +3479,8 @@
         </p:blipFill>
         <p:spPr>
           <a:xfrm>
-            <a:off x="7268131" y="958865"/>
-            <a:ext cx="4492460" cy="2906886"/>
+            <a:off x="280423" y="898424"/>
+            <a:ext cx="4867954" cy="1619476"/>
           </a:xfrm>
           <a:prstGeom prst="rect">
             <a:avLst/>
@@ -3502,10 +3489,10 @@
       </p:pic>
       <p:pic>
         <p:nvPicPr>
-          <p:cNvPr id="5" name="Immagine 4">
+          <p:cNvPr id="9" name="Immagine 8">
             <a:extLst>
               <a:ext uri="{FF2B5EF4-FFF2-40B4-BE49-F238E27FC236}">
-                <a16:creationId xmlns:a16="http://schemas.microsoft.com/office/drawing/2014/main" id="{06D169B4-1B1D-4DAE-A9F4-3F7F7D45BD11}"/>
+                <a16:creationId xmlns:a16="http://schemas.microsoft.com/office/drawing/2014/main" id="{3D9EF4A4-9FEE-4FAD-849E-128E70BD9EE2}"/>
               </a:ext>
             </a:extLst>
           </p:cNvPr>
@@ -3522,8 +3509,8 @@
         </p:blipFill>
         <p:spPr>
           <a:xfrm>
-            <a:off x="332935" y="958865"/>
-            <a:ext cx="4781571" cy="4437191"/>
+            <a:off x="6644995" y="898424"/>
+            <a:ext cx="5172797" cy="4620270"/>
           </a:xfrm>
           <a:prstGeom prst="rect">
             <a:avLst/>
@@ -3532,10 +3519,10 @@
       </p:pic>
       <p:pic>
         <p:nvPicPr>
-          <p:cNvPr id="6" name="Immagine 5">
+          <p:cNvPr id="10" name="Immagine 9">
             <a:extLst>
               <a:ext uri="{FF2B5EF4-FFF2-40B4-BE49-F238E27FC236}">
-                <a16:creationId xmlns:a16="http://schemas.microsoft.com/office/drawing/2014/main" id="{B7867013-191E-48DC-AE37-2F093CBD863F}"/>
+                <a16:creationId xmlns:a16="http://schemas.microsoft.com/office/drawing/2014/main" id="{B6FDE84E-0851-402B-B8E5-7A8E440B1B62}"/>
               </a:ext>
             </a:extLst>
           </p:cNvPr>
@@ -3552,8 +3539,8 @@
         </p:blipFill>
         <p:spPr>
           <a:xfrm>
-            <a:off x="7268131" y="3852710"/>
-            <a:ext cx="3477110" cy="1143160"/>
+            <a:off x="280423" y="2890762"/>
+            <a:ext cx="5029902" cy="1076475"/>
           </a:xfrm>
           <a:prstGeom prst="rect">
             <a:avLst/>
@@ -3562,10 +3549,10 @@
       </p:pic>
       <p:pic>
         <p:nvPicPr>
-          <p:cNvPr id="7" name="Immagine 6">
+          <p:cNvPr id="11" name="Immagine 10">
             <a:extLst>
               <a:ext uri="{FF2B5EF4-FFF2-40B4-BE49-F238E27FC236}">
-                <a16:creationId xmlns:a16="http://schemas.microsoft.com/office/drawing/2014/main" id="{07E7F4CA-2691-4249-B110-1214AF9B0EF1}"/>
+                <a16:creationId xmlns:a16="http://schemas.microsoft.com/office/drawing/2014/main" id="{99B05E20-74D9-490E-B273-DC764E804FA0}"/>
               </a:ext>
             </a:extLst>
           </p:cNvPr>
@@ -3582,38 +3569,8 @@
         </p:blipFill>
         <p:spPr>
           <a:xfrm>
-            <a:off x="3463219" y="5120640"/>
-            <a:ext cx="8395846" cy="1018470"/>
-          </a:xfrm>
-          <a:prstGeom prst="rect">
-            <a:avLst/>
-          </a:prstGeom>
-        </p:spPr>
-      </p:pic>
-      <p:pic>
-        <p:nvPicPr>
-          <p:cNvPr id="8" name="Immagine 7">
-            <a:extLst>
-              <a:ext uri="{FF2B5EF4-FFF2-40B4-BE49-F238E27FC236}">
-                <a16:creationId xmlns:a16="http://schemas.microsoft.com/office/drawing/2014/main" id="{15B0169D-9D91-4EF5-9A68-4980B0C6752A}"/>
-              </a:ext>
-            </a:extLst>
-          </p:cNvPr>
-          <p:cNvPicPr>
-            <a:picLocks noChangeAspect="1"/>
-          </p:cNvPicPr>
-          <p:nvPr/>
-        </p:nvPicPr>
-        <p:blipFill>
-          <a:blip r:embed="rId6"/>
-          <a:stretch>
-            <a:fillRect/>
-          </a:stretch>
-        </p:blipFill>
-        <p:spPr>
-          <a:xfrm>
-            <a:off x="8170606" y="5900057"/>
-            <a:ext cx="3688459" cy="957943"/>
+            <a:off x="432844" y="3882829"/>
+            <a:ext cx="4877481" cy="1819529"/>
           </a:xfrm>
           <a:prstGeom prst="rect">
             <a:avLst/>
@@ -3623,7 +3580,7 @@
     </p:spTree>
     <p:extLst>
       <p:ext uri="{BB962C8B-B14F-4D97-AF65-F5344CB8AC3E}">
-        <p14:creationId xmlns:p14="http://schemas.microsoft.com/office/powerpoint/2010/main" val="3320591247"/>
+        <p14:creationId xmlns:p14="http://schemas.microsoft.com/office/powerpoint/2010/main" val="4222979799"/>
       </p:ext>
     </p:extLst>
   </p:cSld>
@@ -3689,6 +3646,296 @@
             <a:pPr algn="l"/>
             <a:r>
               <a:rPr lang="it-IT" dirty="0" err="1"/>
+              <a:t>Branch</a:t>
+            </a:r>
+            <a:r>
+              <a:rPr lang="it-IT" dirty="0"/>
+              <a:t> </a:t>
+            </a:r>
+            <a:r>
+              <a:rPr lang="it-IT" dirty="0" err="1"/>
+              <a:t>prediction</a:t>
+            </a:r>
+            <a:r>
+              <a:rPr lang="it-IT" dirty="0"/>
+              <a:t> – patterns</a:t>
+            </a:r>
+            <a:endParaRPr lang="it-IT" sz="4400" dirty="0"/>
+          </a:p>
+        </p:txBody>
+      </p:sp>
+      <p:pic>
+        <p:nvPicPr>
+          <p:cNvPr id="3" name="Immagine 2">
+            <a:extLst>
+              <a:ext uri="{FF2B5EF4-FFF2-40B4-BE49-F238E27FC236}">
+                <a16:creationId xmlns:a16="http://schemas.microsoft.com/office/drawing/2014/main" id="{3E184E73-1B86-49A7-AD2E-3061EA4C3027}"/>
+              </a:ext>
+            </a:extLst>
+          </p:cNvPr>
+          <p:cNvPicPr>
+            <a:picLocks noChangeAspect="1"/>
+          </p:cNvPicPr>
+          <p:nvPr/>
+        </p:nvPicPr>
+        <p:blipFill>
+          <a:blip r:embed="rId2"/>
+          <a:stretch>
+            <a:fillRect/>
+          </a:stretch>
+        </p:blipFill>
+        <p:spPr>
+          <a:xfrm>
+            <a:off x="383711" y="898424"/>
+            <a:ext cx="3302023" cy="5859078"/>
+          </a:xfrm>
+          <a:prstGeom prst="rect">
+            <a:avLst/>
+          </a:prstGeom>
+        </p:spPr>
+      </p:pic>
+      <p:pic>
+        <p:nvPicPr>
+          <p:cNvPr id="6" name="Immagine 5">
+            <a:extLst>
+              <a:ext uri="{FF2B5EF4-FFF2-40B4-BE49-F238E27FC236}">
+                <a16:creationId xmlns:a16="http://schemas.microsoft.com/office/drawing/2014/main" id="{B43B911A-50F0-433D-B606-797D313C99C7}"/>
+              </a:ext>
+            </a:extLst>
+          </p:cNvPr>
+          <p:cNvPicPr>
+            <a:picLocks noChangeAspect="1"/>
+          </p:cNvPicPr>
+          <p:nvPr/>
+        </p:nvPicPr>
+        <p:blipFill>
+          <a:blip r:embed="rId3"/>
+          <a:stretch>
+            <a:fillRect/>
+          </a:stretch>
+        </p:blipFill>
+        <p:spPr>
+          <a:xfrm>
+            <a:off x="3789023" y="894212"/>
+            <a:ext cx="8286910" cy="3623357"/>
+          </a:xfrm>
+          <a:prstGeom prst="rect">
+            <a:avLst/>
+          </a:prstGeom>
+        </p:spPr>
+      </p:pic>
+    </p:spTree>
+    <p:extLst>
+      <p:ext uri="{BB962C8B-B14F-4D97-AF65-F5344CB8AC3E}">
+        <p14:creationId xmlns:p14="http://schemas.microsoft.com/office/powerpoint/2010/main" val="1283091076"/>
+      </p:ext>
+    </p:extLst>
+  </p:cSld>
+  <p:clrMapOvr>
+    <a:masterClrMapping/>
+  </p:clrMapOvr>
+</p:sld>
+</file>
+
+<file path=ppt/slides/slide11.xml><?xml version="1.0" encoding="utf-8"?>
+<p:sld xmlns:a="http://schemas.openxmlformats.org/drawingml/2006/main" xmlns:r="http://schemas.openxmlformats.org/officeDocument/2006/relationships" xmlns:p="http://schemas.openxmlformats.org/presentationml/2006/main">
+  <p:cSld>
+    <p:bg>
+      <p:bgPr>
+        <a:solidFill>
+          <a:schemeClr val="bg1"/>
+        </a:solidFill>
+        <a:effectLst/>
+      </p:bgPr>
+    </p:bg>
+    <p:spTree>
+      <p:nvGrpSpPr>
+        <p:cNvPr id="1" name=""/>
+        <p:cNvGrpSpPr/>
+        <p:nvPr/>
+      </p:nvGrpSpPr>
+      <p:grpSpPr>
+        <a:xfrm>
+          <a:off x="0" y="0"/>
+          <a:ext cx="0" cy="0"/>
+          <a:chOff x="0" y="0"/>
+          <a:chExt cx="0" cy="0"/>
+        </a:xfrm>
+      </p:grpSpPr>
+      <p:sp>
+        <p:nvSpPr>
+          <p:cNvPr id="2" name="Titolo 1">
+            <a:extLst>
+              <a:ext uri="{FF2B5EF4-FFF2-40B4-BE49-F238E27FC236}">
+                <a16:creationId xmlns:a16="http://schemas.microsoft.com/office/drawing/2014/main" id="{5A656967-CAD1-42DC-9A23-E654FC4775B8}"/>
+              </a:ext>
+            </a:extLst>
+          </p:cNvPr>
+          <p:cNvSpPr>
+            <a:spLocks noGrp="1"/>
+          </p:cNvSpPr>
+          <p:nvPr>
+            <p:ph type="ctrTitle"/>
+          </p:nvPr>
+        </p:nvSpPr>
+        <p:spPr>
+          <a:xfrm>
+            <a:off x="280422" y="202074"/>
+            <a:ext cx="11795511" cy="696350"/>
+          </a:xfrm>
+        </p:spPr>
+        <p:txBody>
+          <a:bodyPr anchor="b">
+            <a:normAutofit fontScale="90000"/>
+          </a:bodyPr>
+          <a:lstStyle/>
+          <a:p>
+            <a:pPr algn="l"/>
+            <a:r>
+              <a:rPr lang="it-IT" dirty="0" err="1"/>
+              <a:t>ARIThMETIC</a:t>
+            </a:r>
+            <a:r>
+              <a:rPr lang="it-IT" dirty="0"/>
+              <a:t> – </a:t>
+            </a:r>
+            <a:r>
+              <a:rPr lang="it-IT" dirty="0" err="1"/>
+              <a:t>math.abs</a:t>
+            </a:r>
+            <a:endParaRPr lang="it-IT" sz="4400" dirty="0"/>
+          </a:p>
+        </p:txBody>
+      </p:sp>
+      <p:pic>
+        <p:nvPicPr>
+          <p:cNvPr id="4" name="Immagine 3">
+            <a:extLst>
+              <a:ext uri="{FF2B5EF4-FFF2-40B4-BE49-F238E27FC236}">
+                <a16:creationId xmlns:a16="http://schemas.microsoft.com/office/drawing/2014/main" id="{49A127E5-C409-4843-A69B-7A6FBDB6DC14}"/>
+              </a:ext>
+            </a:extLst>
+          </p:cNvPr>
+          <p:cNvPicPr>
+            <a:picLocks noChangeAspect="1"/>
+          </p:cNvPicPr>
+          <p:nvPr/>
+        </p:nvPicPr>
+        <p:blipFill>
+          <a:blip r:embed="rId2"/>
+          <a:stretch>
+            <a:fillRect/>
+          </a:stretch>
+        </p:blipFill>
+        <p:spPr>
+          <a:xfrm>
+            <a:off x="280422" y="898423"/>
+            <a:ext cx="6289190" cy="5790587"/>
+          </a:xfrm>
+          <a:prstGeom prst="rect">
+            <a:avLst/>
+          </a:prstGeom>
+        </p:spPr>
+      </p:pic>
+      <p:pic>
+        <p:nvPicPr>
+          <p:cNvPr id="5" name="Immagine 4">
+            <a:extLst>
+              <a:ext uri="{FF2B5EF4-FFF2-40B4-BE49-F238E27FC236}">
+                <a16:creationId xmlns:a16="http://schemas.microsoft.com/office/drawing/2014/main" id="{BC670A83-CE46-466B-A862-C70915555B9E}"/>
+              </a:ext>
+            </a:extLst>
+          </p:cNvPr>
+          <p:cNvPicPr>
+            <a:picLocks noChangeAspect="1"/>
+          </p:cNvPicPr>
+          <p:nvPr/>
+        </p:nvPicPr>
+        <p:blipFill>
+          <a:blip r:embed="rId3"/>
+          <a:stretch>
+            <a:fillRect/>
+          </a:stretch>
+        </p:blipFill>
+        <p:spPr>
+          <a:xfrm>
+            <a:off x="6829250" y="898422"/>
+            <a:ext cx="5390564" cy="2773245"/>
+          </a:xfrm>
+          <a:prstGeom prst="rect">
+            <a:avLst/>
+          </a:prstGeom>
+        </p:spPr>
+      </p:pic>
+    </p:spTree>
+    <p:extLst>
+      <p:ext uri="{BB962C8B-B14F-4D97-AF65-F5344CB8AC3E}">
+        <p14:creationId xmlns:p14="http://schemas.microsoft.com/office/powerpoint/2010/main" val="1487154497"/>
+      </p:ext>
+    </p:extLst>
+  </p:cSld>
+  <p:clrMapOvr>
+    <a:masterClrMapping/>
+  </p:clrMapOvr>
+</p:sld>
+</file>
+
+<file path=ppt/slides/slide12.xml><?xml version="1.0" encoding="utf-8"?>
+<p:sld xmlns:a="http://schemas.openxmlformats.org/drawingml/2006/main" xmlns:r="http://schemas.openxmlformats.org/officeDocument/2006/relationships" xmlns:p="http://schemas.openxmlformats.org/presentationml/2006/main">
+  <p:cSld>
+    <p:bg>
+      <p:bgPr>
+        <a:solidFill>
+          <a:schemeClr val="bg1"/>
+        </a:solidFill>
+        <a:effectLst/>
+      </p:bgPr>
+    </p:bg>
+    <p:spTree>
+      <p:nvGrpSpPr>
+        <p:cNvPr id="1" name=""/>
+        <p:cNvGrpSpPr/>
+        <p:nvPr/>
+      </p:nvGrpSpPr>
+      <p:grpSpPr>
+        <a:xfrm>
+          <a:off x="0" y="0"/>
+          <a:ext cx="0" cy="0"/>
+          <a:chOff x="0" y="0"/>
+          <a:chExt cx="0" cy="0"/>
+        </a:xfrm>
+      </p:grpSpPr>
+      <p:sp>
+        <p:nvSpPr>
+          <p:cNvPr id="2" name="Titolo 1">
+            <a:extLst>
+              <a:ext uri="{FF2B5EF4-FFF2-40B4-BE49-F238E27FC236}">
+                <a16:creationId xmlns:a16="http://schemas.microsoft.com/office/drawing/2014/main" id="{5A656967-CAD1-42DC-9A23-E654FC4775B8}"/>
+              </a:ext>
+            </a:extLst>
+          </p:cNvPr>
+          <p:cNvSpPr>
+            <a:spLocks noGrp="1"/>
+          </p:cNvSpPr>
+          <p:nvPr>
+            <p:ph type="ctrTitle"/>
+          </p:nvPr>
+        </p:nvSpPr>
+        <p:spPr>
+          <a:xfrm>
+            <a:off x="280422" y="202074"/>
+            <a:ext cx="11795511" cy="696350"/>
+          </a:xfrm>
+        </p:spPr>
+        <p:txBody>
+          <a:bodyPr anchor="b">
+            <a:normAutofit fontScale="90000"/>
+          </a:bodyPr>
+          <a:lstStyle/>
+          <a:p>
+            <a:pPr algn="l"/>
+            <a:r>
+              <a:rPr lang="it-IT" dirty="0" err="1"/>
               <a:t>Intrinsics</a:t>
             </a:r>
             <a:endParaRPr lang="it-IT" dirty="0"/>
@@ -3798,7 +4045,7 @@
 </p:sld>
 </file>
 
-<file path=ppt/slides/slide11.xml><?xml version="1.0" encoding="utf-8"?>
+<file path=ppt/slides/slide13.xml><?xml version="1.0" encoding="utf-8"?>
 <p:sld xmlns:a="http://schemas.openxmlformats.org/drawingml/2006/main" xmlns:r="http://schemas.openxmlformats.org/officeDocument/2006/relationships" xmlns:p="http://schemas.openxmlformats.org/presentationml/2006/main">
   <p:cSld>
     <p:bg>
@@ -4116,38 +4363,18 @@
           <a:p>
             <a:pPr algn="l"/>
             <a:r>
-              <a:rPr lang="it-IT" sz="4400" dirty="0" err="1"/>
-              <a:t>Registers</a:t>
-            </a:r>
-            <a:r>
               <a:rPr lang="it-IT" sz="4400" dirty="0"/>
-              <a:t> And </a:t>
-            </a:r>
-            <a:r>
-              <a:rPr lang="it-IT" sz="4400" dirty="0" err="1"/>
-              <a:t>Stack</a:t>
-            </a:r>
-            <a:r>
-              <a:rPr lang="it-IT" sz="4400" dirty="0"/>
-              <a:t> – </a:t>
-            </a:r>
-            <a:r>
-              <a:rPr lang="it-IT" sz="4400" dirty="0" err="1"/>
-              <a:t>Try</a:t>
-            </a:r>
-            <a:r>
-              <a:rPr lang="it-IT" sz="4400" dirty="0"/>
-              <a:t> catch</a:t>
+              <a:t>CPU BOUND BENCHMARKS</a:t>
             </a:r>
           </a:p>
         </p:txBody>
       </p:sp>
       <p:pic>
         <p:nvPicPr>
-          <p:cNvPr id="3" name="Immagine 2">
+          <p:cNvPr id="4" name="Immagine 3">
             <a:extLst>
               <a:ext uri="{FF2B5EF4-FFF2-40B4-BE49-F238E27FC236}">
-                <a16:creationId xmlns:a16="http://schemas.microsoft.com/office/drawing/2014/main" id="{60444C71-A505-4295-B05D-99D6C1543B8B}"/>
+                <a16:creationId xmlns:a16="http://schemas.microsoft.com/office/drawing/2014/main" id="{B2DF143D-9142-41DC-8141-57B8141D3B46}"/>
               </a:ext>
             </a:extLst>
           </p:cNvPr>
@@ -4164,8 +4391,8 @@
         </p:blipFill>
         <p:spPr>
           <a:xfrm>
-            <a:off x="8227832" y="0"/>
-            <a:ext cx="3379149" cy="6811935"/>
+            <a:off x="280423" y="1084202"/>
+            <a:ext cx="5665641" cy="3959745"/>
           </a:xfrm>
           <a:prstGeom prst="rect">
             <a:avLst/>
@@ -4174,10 +4401,10 @@
       </p:pic>
       <p:pic>
         <p:nvPicPr>
-          <p:cNvPr id="9" name="Immagine 8">
+          <p:cNvPr id="5" name="Immagine 4">
             <a:extLst>
               <a:ext uri="{FF2B5EF4-FFF2-40B4-BE49-F238E27FC236}">
-                <a16:creationId xmlns:a16="http://schemas.microsoft.com/office/drawing/2014/main" id="{C469DD0D-24E2-49F4-83F3-F81F19C365CB}"/>
+                <a16:creationId xmlns:a16="http://schemas.microsoft.com/office/drawing/2014/main" id="{3663E32F-BD2B-440F-BC5D-6DD43BC13D1C}"/>
               </a:ext>
             </a:extLst>
           </p:cNvPr>
@@ -4194,38 +4421,8 @@
         </p:blipFill>
         <p:spPr>
           <a:xfrm>
-            <a:off x="258427" y="1100498"/>
-            <a:ext cx="3705742" cy="1124107"/>
-          </a:xfrm>
-          <a:prstGeom prst="rect">
-            <a:avLst/>
-          </a:prstGeom>
-        </p:spPr>
-      </p:pic>
-      <p:pic>
-        <p:nvPicPr>
-          <p:cNvPr id="10" name="Immagine 9">
-            <a:extLst>
-              <a:ext uri="{FF2B5EF4-FFF2-40B4-BE49-F238E27FC236}">
-                <a16:creationId xmlns:a16="http://schemas.microsoft.com/office/drawing/2014/main" id="{F8ACAAE0-62E4-4835-92E1-A17AE3C9ADA2}"/>
-              </a:ext>
-            </a:extLst>
-          </p:cNvPr>
-          <p:cNvPicPr>
-            <a:picLocks noChangeAspect="1"/>
-          </p:cNvPicPr>
-          <p:nvPr/>
-        </p:nvPicPr>
-        <p:blipFill>
-          <a:blip r:embed="rId4"/>
-          <a:stretch>
-            <a:fillRect/>
-          </a:stretch>
-        </p:blipFill>
-        <p:spPr>
-          <a:xfrm>
-            <a:off x="258426" y="2224604"/>
-            <a:ext cx="7469567" cy="1204395"/>
+            <a:off x="5924903" y="1084203"/>
+            <a:ext cx="6129644" cy="2545262"/>
           </a:xfrm>
           <a:prstGeom prst="rect">
             <a:avLst/>
@@ -4235,7 +4432,7 @@
     </p:spTree>
     <p:extLst>
       <p:ext uri="{BB962C8B-B14F-4D97-AF65-F5344CB8AC3E}">
-        <p14:creationId xmlns:p14="http://schemas.microsoft.com/office/powerpoint/2010/main" val="3508191798"/>
+        <p14:creationId xmlns:p14="http://schemas.microsoft.com/office/powerpoint/2010/main" val="2750579388"/>
       </p:ext>
     </p:extLst>
   </p:cSld>
@@ -4294,28 +4491,44 @@
         </p:spPr>
         <p:txBody>
           <a:bodyPr anchor="b">
-            <a:normAutofit/>
+            <a:normAutofit fontScale="90000"/>
           </a:bodyPr>
           <a:lstStyle/>
           <a:p>
             <a:pPr algn="l"/>
             <a:r>
               <a:rPr lang="it-IT" sz="4400" dirty="0" err="1"/>
-              <a:t>Inlining</a:t>
+              <a:t>Registers</a:t>
             </a:r>
             <a:r>
               <a:rPr lang="it-IT" sz="4400" dirty="0"/>
-              <a:t> – call overhead</a:t>
+              <a:t> And </a:t>
+            </a:r>
+            <a:r>
+              <a:rPr lang="it-IT" sz="4400" dirty="0" err="1"/>
+              <a:t>Stack</a:t>
+            </a:r>
+            <a:r>
+              <a:rPr lang="it-IT" sz="4400" dirty="0"/>
+              <a:t> – </a:t>
+            </a:r>
+            <a:r>
+              <a:rPr lang="it-IT" sz="4400" dirty="0" err="1"/>
+              <a:t>struct</a:t>
+            </a:r>
+            <a:r>
+              <a:rPr lang="it-IT" sz="4400" dirty="0"/>
+              <a:t> promotion</a:t>
             </a:r>
           </a:p>
         </p:txBody>
       </p:sp>
       <p:pic>
         <p:nvPicPr>
-          <p:cNvPr id="5" name="Immagine 4">
+          <p:cNvPr id="4" name="Immagine 3">
             <a:extLst>
               <a:ext uri="{FF2B5EF4-FFF2-40B4-BE49-F238E27FC236}">
-                <a16:creationId xmlns:a16="http://schemas.microsoft.com/office/drawing/2014/main" id="{6DAED224-C8A6-478A-98E3-FC5E2FFB94AC}"/>
+                <a16:creationId xmlns:a16="http://schemas.microsoft.com/office/drawing/2014/main" id="{1F815C85-D77A-40F0-B711-8B94823E168B}"/>
               </a:ext>
             </a:extLst>
           </p:cNvPr>
@@ -4332,8 +4545,8 @@
         </p:blipFill>
         <p:spPr>
           <a:xfrm>
-            <a:off x="395561" y="898424"/>
-            <a:ext cx="5940017" cy="5757502"/>
+            <a:off x="7268131" y="958865"/>
+            <a:ext cx="4492460" cy="2906886"/>
           </a:xfrm>
           <a:prstGeom prst="rect">
             <a:avLst/>
@@ -4342,10 +4555,10 @@
       </p:pic>
       <p:pic>
         <p:nvPicPr>
-          <p:cNvPr id="6" name="Immagine 5">
+          <p:cNvPr id="5" name="Immagine 4">
             <a:extLst>
               <a:ext uri="{FF2B5EF4-FFF2-40B4-BE49-F238E27FC236}">
-                <a16:creationId xmlns:a16="http://schemas.microsoft.com/office/drawing/2014/main" id="{40C817FA-A43B-490E-8DCB-D1637EF2BEF6}"/>
+                <a16:creationId xmlns:a16="http://schemas.microsoft.com/office/drawing/2014/main" id="{06D169B4-1B1D-4DAE-A9F4-3F7F7D45BD11}"/>
               </a:ext>
             </a:extLst>
           </p:cNvPr>
@@ -4362,8 +4575,8 @@
         </p:blipFill>
         <p:spPr>
           <a:xfrm>
-            <a:off x="5883820" y="69633"/>
-            <a:ext cx="6192114" cy="1657581"/>
+            <a:off x="332935" y="958865"/>
+            <a:ext cx="4781571" cy="4437191"/>
           </a:xfrm>
           <a:prstGeom prst="rect">
             <a:avLst/>
@@ -4372,10 +4585,10 @@
       </p:pic>
       <p:pic>
         <p:nvPicPr>
-          <p:cNvPr id="7" name="Immagine 6">
+          <p:cNvPr id="6" name="Immagine 5">
             <a:extLst>
               <a:ext uri="{FF2B5EF4-FFF2-40B4-BE49-F238E27FC236}">
-                <a16:creationId xmlns:a16="http://schemas.microsoft.com/office/drawing/2014/main" id="{F47D0702-C434-41A1-89FA-DF1DEDC28ED9}"/>
+                <a16:creationId xmlns:a16="http://schemas.microsoft.com/office/drawing/2014/main" id="{B7867013-191E-48DC-AE37-2F093CBD863F}"/>
               </a:ext>
             </a:extLst>
           </p:cNvPr>
@@ -4392,8 +4605,68 @@
         </p:blipFill>
         <p:spPr>
           <a:xfrm>
-            <a:off x="5836188" y="1727214"/>
-            <a:ext cx="6239746" cy="1295581"/>
+            <a:off x="7268131" y="3852710"/>
+            <a:ext cx="3477110" cy="1143160"/>
+          </a:xfrm>
+          <a:prstGeom prst="rect">
+            <a:avLst/>
+          </a:prstGeom>
+        </p:spPr>
+      </p:pic>
+      <p:pic>
+        <p:nvPicPr>
+          <p:cNvPr id="7" name="Immagine 6">
+            <a:extLst>
+              <a:ext uri="{FF2B5EF4-FFF2-40B4-BE49-F238E27FC236}">
+                <a16:creationId xmlns:a16="http://schemas.microsoft.com/office/drawing/2014/main" id="{07E7F4CA-2691-4249-B110-1214AF9B0EF1}"/>
+              </a:ext>
+            </a:extLst>
+          </p:cNvPr>
+          <p:cNvPicPr>
+            <a:picLocks noChangeAspect="1"/>
+          </p:cNvPicPr>
+          <p:nvPr/>
+        </p:nvPicPr>
+        <p:blipFill>
+          <a:blip r:embed="rId5"/>
+          <a:stretch>
+            <a:fillRect/>
+          </a:stretch>
+        </p:blipFill>
+        <p:spPr>
+          <a:xfrm>
+            <a:off x="3463219" y="5120640"/>
+            <a:ext cx="8395846" cy="1018470"/>
+          </a:xfrm>
+          <a:prstGeom prst="rect">
+            <a:avLst/>
+          </a:prstGeom>
+        </p:spPr>
+      </p:pic>
+      <p:pic>
+        <p:nvPicPr>
+          <p:cNvPr id="8" name="Immagine 7">
+            <a:extLst>
+              <a:ext uri="{FF2B5EF4-FFF2-40B4-BE49-F238E27FC236}">
+                <a16:creationId xmlns:a16="http://schemas.microsoft.com/office/drawing/2014/main" id="{15B0169D-9D91-4EF5-9A68-4980B0C6752A}"/>
+              </a:ext>
+            </a:extLst>
+          </p:cNvPr>
+          <p:cNvPicPr>
+            <a:picLocks noChangeAspect="1"/>
+          </p:cNvPicPr>
+          <p:nvPr/>
+        </p:nvPicPr>
+        <p:blipFill>
+          <a:blip r:embed="rId6"/>
+          <a:stretch>
+            <a:fillRect/>
+          </a:stretch>
+        </p:blipFill>
+        <p:spPr>
+          <a:xfrm>
+            <a:off x="8170606" y="5900057"/>
+            <a:ext cx="3688459" cy="957943"/>
           </a:xfrm>
           <a:prstGeom prst="rect">
             <a:avLst/>
@@ -4403,7 +4676,7 @@
     </p:spTree>
     <p:extLst>
       <p:ext uri="{BB962C8B-B14F-4D97-AF65-F5344CB8AC3E}">
-        <p14:creationId xmlns:p14="http://schemas.microsoft.com/office/powerpoint/2010/main" val="2163435399"/>
+        <p14:creationId xmlns:p14="http://schemas.microsoft.com/office/powerpoint/2010/main" val="3320591247"/>
       </p:ext>
     </p:extLst>
   </p:cSld>
@@ -4456,46 +4729,41 @@
         </p:nvSpPr>
         <p:spPr>
           <a:xfrm>
-            <a:off x="280422" y="202074"/>
-            <a:ext cx="11795511" cy="696350"/>
+            <a:off x="280423" y="202074"/>
+            <a:ext cx="8286802" cy="696350"/>
           </a:xfrm>
         </p:spPr>
         <p:txBody>
           <a:bodyPr anchor="b">
-            <a:normAutofit fontScale="90000"/>
+            <a:normAutofit/>
           </a:bodyPr>
           <a:lstStyle/>
           <a:p>
             <a:pPr algn="l"/>
             <a:r>
-              <a:rPr lang="it-IT" dirty="0" err="1"/>
-              <a:t>Instruction</a:t>
-            </a:r>
-            <a:r>
-              <a:rPr lang="it-IT" dirty="0"/>
-              <a:t>-Level </a:t>
-            </a:r>
-            <a:r>
-              <a:rPr lang="it-IT" dirty="0" err="1"/>
-              <a:t>Parallelism</a:t>
-            </a:r>
-            <a:r>
-              <a:rPr lang="it-IT" dirty="0"/>
-              <a:t> - </a:t>
-            </a:r>
-            <a:r>
-              <a:rPr lang="it-IT" dirty="0" err="1"/>
-              <a:t>Parallel</a:t>
-            </a:r>
-            <a:r>
-              <a:rPr lang="it-IT" dirty="0"/>
-              <a:t> </a:t>
-            </a:r>
-            <a:r>
-              <a:rPr lang="it-IT" dirty="0" err="1"/>
-              <a:t>Execution</a:t>
-            </a:r>
-            <a:endParaRPr lang="it-IT" sz="4400" dirty="0"/>
+              <a:rPr lang="it-IT" sz="4400" dirty="0" err="1"/>
+              <a:t>Registers</a:t>
+            </a:r>
+            <a:r>
+              <a:rPr lang="it-IT" sz="4400" dirty="0"/>
+              <a:t> And </a:t>
+            </a:r>
+            <a:r>
+              <a:rPr lang="it-IT" sz="4400" dirty="0" err="1"/>
+              <a:t>Stack</a:t>
+            </a:r>
+            <a:r>
+              <a:rPr lang="it-IT" sz="4400" dirty="0"/>
+              <a:t> – </a:t>
+            </a:r>
+            <a:r>
+              <a:rPr lang="it-IT" sz="4400" dirty="0" err="1"/>
+              <a:t>Try</a:t>
+            </a:r>
+            <a:r>
+              <a:rPr lang="it-IT" sz="4400" dirty="0"/>
+              <a:t> catch</a:t>
+            </a:r>
           </a:p>
         </p:txBody>
       </p:sp>
@@ -4504,7 +4772,7 @@
           <p:cNvPr id="3" name="Immagine 2">
             <a:extLst>
               <a:ext uri="{FF2B5EF4-FFF2-40B4-BE49-F238E27FC236}">
-                <a16:creationId xmlns:a16="http://schemas.microsoft.com/office/drawing/2014/main" id="{A0EE5E47-EDE2-4478-A0FD-4E60F270BF27}"/>
+                <a16:creationId xmlns:a16="http://schemas.microsoft.com/office/drawing/2014/main" id="{60444C71-A505-4295-B05D-99D6C1543B8B}"/>
               </a:ext>
             </a:extLst>
           </p:cNvPr>
@@ -4521,8 +4789,8 @@
         </p:blipFill>
         <p:spPr>
           <a:xfrm>
-            <a:off x="6096000" y="1010443"/>
-            <a:ext cx="5963482" cy="2276793"/>
+            <a:off x="8227832" y="0"/>
+            <a:ext cx="3379149" cy="6811935"/>
           </a:xfrm>
           <a:prstGeom prst="rect">
             <a:avLst/>
@@ -4531,10 +4799,10 @@
       </p:pic>
       <p:pic>
         <p:nvPicPr>
-          <p:cNvPr id="8" name="Immagine 7">
+          <p:cNvPr id="9" name="Immagine 8">
             <a:extLst>
               <a:ext uri="{FF2B5EF4-FFF2-40B4-BE49-F238E27FC236}">
-                <a16:creationId xmlns:a16="http://schemas.microsoft.com/office/drawing/2014/main" id="{88A33C9C-919F-416A-A2FF-ECDA7138123E}"/>
+                <a16:creationId xmlns:a16="http://schemas.microsoft.com/office/drawing/2014/main" id="{C469DD0D-24E2-49F4-83F3-F81F19C365CB}"/>
               </a:ext>
             </a:extLst>
           </p:cNvPr>
@@ -4551,8 +4819,8 @@
         </p:blipFill>
         <p:spPr>
           <a:xfrm>
-            <a:off x="409640" y="898424"/>
-            <a:ext cx="3599651" cy="6108499"/>
+            <a:off x="258427" y="1100498"/>
+            <a:ext cx="3705742" cy="1124107"/>
           </a:xfrm>
           <a:prstGeom prst="rect">
             <a:avLst/>
@@ -4561,10 +4829,10 @@
       </p:pic>
       <p:pic>
         <p:nvPicPr>
-          <p:cNvPr id="9" name="Immagine 8">
+          <p:cNvPr id="10" name="Immagine 9">
             <a:extLst>
               <a:ext uri="{FF2B5EF4-FFF2-40B4-BE49-F238E27FC236}">
-                <a16:creationId xmlns:a16="http://schemas.microsoft.com/office/drawing/2014/main" id="{80542616-06C0-417C-BE67-95C506A212D8}"/>
+                <a16:creationId xmlns:a16="http://schemas.microsoft.com/office/drawing/2014/main" id="{F8ACAAE0-62E4-4835-92E1-A17AE3C9ADA2}"/>
               </a:ext>
             </a:extLst>
           </p:cNvPr>
@@ -4581,8 +4849,8 @@
         </p:blipFill>
         <p:spPr>
           <a:xfrm>
-            <a:off x="6707979" y="3304074"/>
-            <a:ext cx="5351503" cy="3553926"/>
+            <a:off x="258426" y="2224604"/>
+            <a:ext cx="7469567" cy="1204395"/>
           </a:xfrm>
           <a:prstGeom prst="rect">
             <a:avLst/>
@@ -4592,7 +4860,7 @@
     </p:spTree>
     <p:extLst>
       <p:ext uri="{BB962C8B-B14F-4D97-AF65-F5344CB8AC3E}">
-        <p14:creationId xmlns:p14="http://schemas.microsoft.com/office/powerpoint/2010/main" val="3485724699"/>
+        <p14:creationId xmlns:p14="http://schemas.microsoft.com/office/powerpoint/2010/main" val="3508191798"/>
       </p:ext>
     </p:extLst>
   </p:cSld>
@@ -4645,47 +4913,34 @@
         </p:nvSpPr>
         <p:spPr>
           <a:xfrm>
-            <a:off x="280422" y="202074"/>
-            <a:ext cx="11795511" cy="696350"/>
+            <a:off x="280423" y="202074"/>
+            <a:ext cx="8286802" cy="696350"/>
           </a:xfrm>
         </p:spPr>
         <p:txBody>
           <a:bodyPr anchor="b">
-            <a:normAutofit fontScale="90000"/>
+            <a:normAutofit/>
           </a:bodyPr>
           <a:lstStyle/>
           <a:p>
             <a:pPr algn="l"/>
             <a:r>
-              <a:rPr lang="it-IT" dirty="0" err="1"/>
-              <a:t>Instruction</a:t>
-            </a:r>
-            <a:r>
-              <a:rPr lang="it-IT" dirty="0"/>
-              <a:t>-Level </a:t>
-            </a:r>
-            <a:r>
-              <a:rPr lang="it-IT" dirty="0" err="1"/>
-              <a:t>Parallelism</a:t>
-            </a:r>
-            <a:r>
-              <a:rPr lang="it-IT" dirty="0"/>
-              <a:t> – data </a:t>
-            </a:r>
-            <a:r>
-              <a:rPr lang="it-IT" dirty="0" err="1"/>
-              <a:t>dependencies</a:t>
-            </a:r>
-            <a:endParaRPr lang="it-IT" sz="4400" dirty="0"/>
+              <a:rPr lang="it-IT" sz="4400" dirty="0" err="1"/>
+              <a:t>Inlining</a:t>
+            </a:r>
+            <a:r>
+              <a:rPr lang="it-IT" sz="4400" dirty="0"/>
+              <a:t> – call overhead</a:t>
+            </a:r>
           </a:p>
         </p:txBody>
       </p:sp>
       <p:pic>
         <p:nvPicPr>
-          <p:cNvPr id="4" name="Immagine 3">
+          <p:cNvPr id="5" name="Immagine 4">
             <a:extLst>
               <a:ext uri="{FF2B5EF4-FFF2-40B4-BE49-F238E27FC236}">
-                <a16:creationId xmlns:a16="http://schemas.microsoft.com/office/drawing/2014/main" id="{2B23BCA2-A616-4EC7-BD6C-50EBBEF3DFA6}"/>
+                <a16:creationId xmlns:a16="http://schemas.microsoft.com/office/drawing/2014/main" id="{6DAED224-C8A6-478A-98E3-FC5E2FFB94AC}"/>
               </a:ext>
             </a:extLst>
           </p:cNvPr>
@@ -4702,8 +4957,8 @@
         </p:blipFill>
         <p:spPr>
           <a:xfrm>
-            <a:off x="392963" y="898424"/>
-            <a:ext cx="4404120" cy="5771412"/>
+            <a:off x="395561" y="898424"/>
+            <a:ext cx="5940017" cy="5757502"/>
           </a:xfrm>
           <a:prstGeom prst="rect">
             <a:avLst/>
@@ -4712,10 +4967,10 @@
       </p:pic>
       <p:pic>
         <p:nvPicPr>
-          <p:cNvPr id="5" name="Immagine 4">
+          <p:cNvPr id="6" name="Immagine 5">
             <a:extLst>
               <a:ext uri="{FF2B5EF4-FFF2-40B4-BE49-F238E27FC236}">
-                <a16:creationId xmlns:a16="http://schemas.microsoft.com/office/drawing/2014/main" id="{2F9F27B9-9078-48D4-BEA1-90714F033032}"/>
+                <a16:creationId xmlns:a16="http://schemas.microsoft.com/office/drawing/2014/main" id="{40C817FA-A43B-490E-8DCB-D1637EF2BEF6}"/>
               </a:ext>
             </a:extLst>
           </p:cNvPr>
@@ -4732,8 +4987,38 @@
         </p:blipFill>
         <p:spPr>
           <a:xfrm>
-            <a:off x="5895947" y="898424"/>
-            <a:ext cx="6163535" cy="1771897"/>
+            <a:off x="5883820" y="69633"/>
+            <a:ext cx="6192114" cy="1657581"/>
+          </a:xfrm>
+          <a:prstGeom prst="rect">
+            <a:avLst/>
+          </a:prstGeom>
+        </p:spPr>
+      </p:pic>
+      <p:pic>
+        <p:nvPicPr>
+          <p:cNvPr id="7" name="Immagine 6">
+            <a:extLst>
+              <a:ext uri="{FF2B5EF4-FFF2-40B4-BE49-F238E27FC236}">
+                <a16:creationId xmlns:a16="http://schemas.microsoft.com/office/drawing/2014/main" id="{F47D0702-C434-41A1-89FA-DF1DEDC28ED9}"/>
+              </a:ext>
+            </a:extLst>
+          </p:cNvPr>
+          <p:cNvPicPr>
+            <a:picLocks noChangeAspect="1"/>
+          </p:cNvPicPr>
+          <p:nvPr/>
+        </p:nvPicPr>
+        <p:blipFill>
+          <a:blip r:embed="rId4"/>
+          <a:stretch>
+            <a:fillRect/>
+          </a:stretch>
+        </p:blipFill>
+        <p:spPr>
+          <a:xfrm>
+            <a:off x="5836188" y="1727214"/>
+            <a:ext cx="6239746" cy="1295581"/>
           </a:xfrm>
           <a:prstGeom prst="rect">
             <a:avLst/>
@@ -4743,7 +5028,7 @@
     </p:spTree>
     <p:extLst>
       <p:ext uri="{BB962C8B-B14F-4D97-AF65-F5344CB8AC3E}">
-        <p14:creationId xmlns:p14="http://schemas.microsoft.com/office/powerpoint/2010/main" val="2533149986"/>
+        <p14:creationId xmlns:p14="http://schemas.microsoft.com/office/powerpoint/2010/main" val="2163435399"/>
       </p:ext>
     </p:extLst>
   </p:cSld>
@@ -4809,7 +5094,23 @@
             <a:pPr algn="l"/>
             <a:r>
               <a:rPr lang="it-IT" dirty="0" err="1"/>
-              <a:t>Branch</a:t>
+              <a:t>Instruction</a:t>
+            </a:r>
+            <a:r>
+              <a:rPr lang="it-IT" dirty="0"/>
+              <a:t>-Level </a:t>
+            </a:r>
+            <a:r>
+              <a:rPr lang="it-IT" dirty="0" err="1"/>
+              <a:t>Parallelism</a:t>
+            </a:r>
+            <a:r>
+              <a:rPr lang="it-IT" dirty="0"/>
+              <a:t> - </a:t>
+            </a:r>
+            <a:r>
+              <a:rPr lang="it-IT" dirty="0" err="1"/>
+              <a:t>Parallel</a:t>
             </a:r>
             <a:r>
               <a:rPr lang="it-IT" dirty="0"/>
@@ -4817,27 +5118,7 @@
             </a:r>
             <a:r>
               <a:rPr lang="it-IT" dirty="0" err="1"/>
-              <a:t>prediction</a:t>
-            </a:r>
-            <a:r>
-              <a:rPr lang="it-IT" dirty="0"/>
-              <a:t> – </a:t>
-            </a:r>
-            <a:r>
-              <a:rPr lang="it-IT" dirty="0" err="1"/>
-              <a:t>sorted</a:t>
-            </a:r>
-            <a:r>
-              <a:rPr lang="it-IT" dirty="0"/>
-              <a:t> vs </a:t>
-            </a:r>
-            <a:r>
-              <a:rPr lang="it-IT" dirty="0" err="1"/>
-              <a:t>unsorted</a:t>
-            </a:r>
-            <a:r>
-              <a:rPr lang="it-IT" dirty="0"/>
-              <a:t> data</a:t>
+              <a:t>Execution</a:t>
             </a:r>
             <a:endParaRPr lang="it-IT" sz="4400" dirty="0"/>
           </a:p>
@@ -4848,7 +5129,7 @@
           <p:cNvPr id="3" name="Immagine 2">
             <a:extLst>
               <a:ext uri="{FF2B5EF4-FFF2-40B4-BE49-F238E27FC236}">
-                <a16:creationId xmlns:a16="http://schemas.microsoft.com/office/drawing/2014/main" id="{0E298C06-4624-40E0-AB83-7F65AB734780}"/>
+                <a16:creationId xmlns:a16="http://schemas.microsoft.com/office/drawing/2014/main" id="{A0EE5E47-EDE2-4478-A0FD-4E60F270BF27}"/>
               </a:ext>
             </a:extLst>
           </p:cNvPr>
@@ -4865,8 +5146,8 @@
         </p:blipFill>
         <p:spPr>
           <a:xfrm>
-            <a:off x="392963" y="997286"/>
-            <a:ext cx="3743847" cy="5658640"/>
+            <a:off x="6096000" y="1010443"/>
+            <a:ext cx="5963482" cy="2276793"/>
           </a:xfrm>
           <a:prstGeom prst="rect">
             <a:avLst/>
@@ -4875,10 +5156,10 @@
       </p:pic>
       <p:pic>
         <p:nvPicPr>
-          <p:cNvPr id="6" name="Immagine 5">
+          <p:cNvPr id="8" name="Immagine 7">
             <a:extLst>
               <a:ext uri="{FF2B5EF4-FFF2-40B4-BE49-F238E27FC236}">
-                <a16:creationId xmlns:a16="http://schemas.microsoft.com/office/drawing/2014/main" id="{3F2E3637-1049-45C2-A9CD-67F9D824B050}"/>
+                <a16:creationId xmlns:a16="http://schemas.microsoft.com/office/drawing/2014/main" id="{88A33C9C-919F-416A-A2FF-ECDA7138123E}"/>
               </a:ext>
             </a:extLst>
           </p:cNvPr>
@@ -4895,8 +5176,8 @@
         </p:blipFill>
         <p:spPr>
           <a:xfrm>
-            <a:off x="9305145" y="992067"/>
-            <a:ext cx="6068272" cy="2095792"/>
+            <a:off x="409640" y="898424"/>
+            <a:ext cx="3599651" cy="6108499"/>
           </a:xfrm>
           <a:prstGeom prst="rect">
             <a:avLst/>
@@ -4905,10 +5186,10 @@
       </p:pic>
       <p:pic>
         <p:nvPicPr>
-          <p:cNvPr id="7" name="Immagine 6">
+          <p:cNvPr id="9" name="Immagine 8">
             <a:extLst>
               <a:ext uri="{FF2B5EF4-FFF2-40B4-BE49-F238E27FC236}">
-                <a16:creationId xmlns:a16="http://schemas.microsoft.com/office/drawing/2014/main" id="{CDD65D56-F7C0-4081-BFD7-9F8C8F1CD365}"/>
+                <a16:creationId xmlns:a16="http://schemas.microsoft.com/office/drawing/2014/main" id="{80542616-06C0-417C-BE67-95C506A212D8}"/>
               </a:ext>
             </a:extLst>
           </p:cNvPr>
@@ -4925,8 +5206,8 @@
         </p:blipFill>
         <p:spPr>
           <a:xfrm>
-            <a:off x="4305623" y="992067"/>
-            <a:ext cx="4700448" cy="5782482"/>
+            <a:off x="6707979" y="3304074"/>
+            <a:ext cx="5351503" cy="3553926"/>
           </a:xfrm>
           <a:prstGeom prst="rect">
             <a:avLst/>
@@ -4936,7 +5217,7 @@
     </p:spTree>
     <p:extLst>
       <p:ext uri="{BB962C8B-B14F-4D97-AF65-F5344CB8AC3E}">
-        <p14:creationId xmlns:p14="http://schemas.microsoft.com/office/powerpoint/2010/main" val="270705170"/>
+        <p14:creationId xmlns:p14="http://schemas.microsoft.com/office/powerpoint/2010/main" val="3485724699"/>
       </p:ext>
     </p:extLst>
   </p:cSld>
@@ -5002,19 +5283,23 @@
             <a:pPr algn="l"/>
             <a:r>
               <a:rPr lang="it-IT" dirty="0" err="1"/>
-              <a:t>Branch</a:t>
+              <a:t>Instruction</a:t>
             </a:r>
             <a:r>
               <a:rPr lang="it-IT" dirty="0"/>
-              <a:t> </a:t>
+              <a:t>-Level </a:t>
             </a:r>
             <a:r>
               <a:rPr lang="it-IT" dirty="0" err="1"/>
-              <a:t>prediction</a:t>
+              <a:t>Parallelism</a:t>
             </a:r>
             <a:r>
               <a:rPr lang="it-IT" dirty="0"/>
-              <a:t> – minimum</a:t>
+              <a:t> – data </a:t>
+            </a:r>
+            <a:r>
+              <a:rPr lang="it-IT" dirty="0" err="1"/>
+              <a:t>dependencies</a:t>
             </a:r>
             <a:endParaRPr lang="it-IT" sz="4400" dirty="0"/>
           </a:p>
@@ -5025,7 +5310,7 @@
           <p:cNvPr id="4" name="Immagine 3">
             <a:extLst>
               <a:ext uri="{FF2B5EF4-FFF2-40B4-BE49-F238E27FC236}">
-                <a16:creationId xmlns:a16="http://schemas.microsoft.com/office/drawing/2014/main" id="{CFEB64C2-BAD4-491D-81EE-F0A79A8B4377}"/>
+                <a16:creationId xmlns:a16="http://schemas.microsoft.com/office/drawing/2014/main" id="{2B23BCA2-A616-4EC7-BD6C-50EBBEF3DFA6}"/>
               </a:ext>
             </a:extLst>
           </p:cNvPr>
@@ -5042,8 +5327,8 @@
         </p:blipFill>
         <p:spPr>
           <a:xfrm>
-            <a:off x="280422" y="1001698"/>
-            <a:ext cx="4340707" cy="2107262"/>
+            <a:off x="392963" y="898424"/>
+            <a:ext cx="4404120" cy="5771412"/>
           </a:xfrm>
           <a:prstGeom prst="rect">
             <a:avLst/>
@@ -5055,7 +5340,7 @@
           <p:cNvPr id="5" name="Immagine 4">
             <a:extLst>
               <a:ext uri="{FF2B5EF4-FFF2-40B4-BE49-F238E27FC236}">
-                <a16:creationId xmlns:a16="http://schemas.microsoft.com/office/drawing/2014/main" id="{8E5363CF-AA31-4A93-93A4-5DFF7A53191F}"/>
+                <a16:creationId xmlns:a16="http://schemas.microsoft.com/office/drawing/2014/main" id="{2F9F27B9-9078-48D4-BEA1-90714F033032}"/>
               </a:ext>
             </a:extLst>
           </p:cNvPr>
@@ -5072,8 +5357,8 @@
         </p:blipFill>
         <p:spPr>
           <a:xfrm>
-            <a:off x="4777923" y="1001698"/>
-            <a:ext cx="7269522" cy="2768444"/>
+            <a:off x="5895947" y="898424"/>
+            <a:ext cx="6163535" cy="1771897"/>
           </a:xfrm>
           <a:prstGeom prst="rect">
             <a:avLst/>
@@ -5083,7 +5368,7 @@
     </p:spTree>
     <p:extLst>
       <p:ext uri="{BB962C8B-B14F-4D97-AF65-F5344CB8AC3E}">
-        <p14:creationId xmlns:p14="http://schemas.microsoft.com/office/powerpoint/2010/main" val="3418547490"/>
+        <p14:creationId xmlns:p14="http://schemas.microsoft.com/office/powerpoint/2010/main" val="2533149986"/>
       </p:ext>
     </p:extLst>
   </p:cSld>
@@ -5161,7 +5446,23 @@
             </a:r>
             <a:r>
               <a:rPr lang="it-IT" dirty="0"/>
-              <a:t> – patterns</a:t>
+              <a:t> – </a:t>
+            </a:r>
+            <a:r>
+              <a:rPr lang="it-IT" dirty="0" err="1"/>
+              <a:t>sorted</a:t>
+            </a:r>
+            <a:r>
+              <a:rPr lang="it-IT" dirty="0"/>
+              <a:t> vs </a:t>
+            </a:r>
+            <a:r>
+              <a:rPr lang="it-IT" dirty="0" err="1"/>
+              <a:t>unsorted</a:t>
+            </a:r>
+            <a:r>
+              <a:rPr lang="it-IT" dirty="0"/>
+              <a:t> data</a:t>
             </a:r>
             <a:endParaRPr lang="it-IT" sz="4400" dirty="0"/>
           </a:p>
@@ -5172,7 +5473,7 @@
           <p:cNvPr id="3" name="Immagine 2">
             <a:extLst>
               <a:ext uri="{FF2B5EF4-FFF2-40B4-BE49-F238E27FC236}">
-                <a16:creationId xmlns:a16="http://schemas.microsoft.com/office/drawing/2014/main" id="{3E184E73-1B86-49A7-AD2E-3061EA4C3027}"/>
+                <a16:creationId xmlns:a16="http://schemas.microsoft.com/office/drawing/2014/main" id="{0E298C06-4624-40E0-AB83-7F65AB734780}"/>
               </a:ext>
             </a:extLst>
           </p:cNvPr>
@@ -5189,8 +5490,8 @@
         </p:blipFill>
         <p:spPr>
           <a:xfrm>
-            <a:off x="383711" y="898424"/>
-            <a:ext cx="3302023" cy="5859078"/>
+            <a:off x="392963" y="997286"/>
+            <a:ext cx="3743847" cy="5658640"/>
           </a:xfrm>
           <a:prstGeom prst="rect">
             <a:avLst/>
@@ -5202,7 +5503,7 @@
           <p:cNvPr id="6" name="Immagine 5">
             <a:extLst>
               <a:ext uri="{FF2B5EF4-FFF2-40B4-BE49-F238E27FC236}">
-                <a16:creationId xmlns:a16="http://schemas.microsoft.com/office/drawing/2014/main" id="{B43B911A-50F0-433D-B606-797D313C99C7}"/>
+                <a16:creationId xmlns:a16="http://schemas.microsoft.com/office/drawing/2014/main" id="{3F2E3637-1049-45C2-A9CD-67F9D824B050}"/>
               </a:ext>
             </a:extLst>
           </p:cNvPr>
@@ -5219,8 +5520,38 @@
         </p:blipFill>
         <p:spPr>
           <a:xfrm>
-            <a:off x="3789023" y="894212"/>
-            <a:ext cx="8286910" cy="3623357"/>
+            <a:off x="9305145" y="992067"/>
+            <a:ext cx="6068272" cy="2095792"/>
+          </a:xfrm>
+          <a:prstGeom prst="rect">
+            <a:avLst/>
+          </a:prstGeom>
+        </p:spPr>
+      </p:pic>
+      <p:pic>
+        <p:nvPicPr>
+          <p:cNvPr id="7" name="Immagine 6">
+            <a:extLst>
+              <a:ext uri="{FF2B5EF4-FFF2-40B4-BE49-F238E27FC236}">
+                <a16:creationId xmlns:a16="http://schemas.microsoft.com/office/drawing/2014/main" id="{CDD65D56-F7C0-4081-BFD7-9F8C8F1CD365}"/>
+              </a:ext>
+            </a:extLst>
+          </p:cNvPr>
+          <p:cNvPicPr>
+            <a:picLocks noChangeAspect="1"/>
+          </p:cNvPicPr>
+          <p:nvPr/>
+        </p:nvPicPr>
+        <p:blipFill>
+          <a:blip r:embed="rId4"/>
+          <a:stretch>
+            <a:fillRect/>
+          </a:stretch>
+        </p:blipFill>
+        <p:spPr>
+          <a:xfrm>
+            <a:off x="4305623" y="992067"/>
+            <a:ext cx="4700448" cy="5782482"/>
           </a:xfrm>
           <a:prstGeom prst="rect">
             <a:avLst/>
@@ -5230,7 +5561,7 @@
     </p:spTree>
     <p:extLst>
       <p:ext uri="{BB962C8B-B14F-4D97-AF65-F5344CB8AC3E}">
-        <p14:creationId xmlns:p14="http://schemas.microsoft.com/office/powerpoint/2010/main" val="1283091076"/>
+        <p14:creationId xmlns:p14="http://schemas.microsoft.com/office/powerpoint/2010/main" val="270705170"/>
       </p:ext>
     </p:extLst>
   </p:cSld>
@@ -5296,15 +5627,19 @@
             <a:pPr algn="l"/>
             <a:r>
               <a:rPr lang="it-IT" dirty="0" err="1"/>
-              <a:t>ARIThMETIC</a:t>
+              <a:t>Branch</a:t>
             </a:r>
             <a:r>
               <a:rPr lang="it-IT" dirty="0"/>
-              <a:t> – </a:t>
+              <a:t> </a:t>
             </a:r>
             <a:r>
               <a:rPr lang="it-IT" dirty="0" err="1"/>
-              <a:t>math.abs</a:t>
+              <a:t>prediction</a:t>
+            </a:r>
+            <a:r>
+              <a:rPr lang="it-IT" dirty="0"/>
+              <a:t> – minimum</a:t>
             </a:r>
             <a:endParaRPr lang="it-IT" sz="4400" dirty="0"/>
           </a:p>
@@ -5315,7 +5650,7 @@
           <p:cNvPr id="4" name="Immagine 3">
             <a:extLst>
               <a:ext uri="{FF2B5EF4-FFF2-40B4-BE49-F238E27FC236}">
-                <a16:creationId xmlns:a16="http://schemas.microsoft.com/office/drawing/2014/main" id="{49A127E5-C409-4843-A69B-7A6FBDB6DC14}"/>
+                <a16:creationId xmlns:a16="http://schemas.microsoft.com/office/drawing/2014/main" id="{CFEB64C2-BAD4-491D-81EE-F0A79A8B4377}"/>
               </a:ext>
             </a:extLst>
           </p:cNvPr>
@@ -5332,8 +5667,8 @@
         </p:blipFill>
         <p:spPr>
           <a:xfrm>
-            <a:off x="280422" y="898423"/>
-            <a:ext cx="6289190" cy="5790587"/>
+            <a:off x="280422" y="1001698"/>
+            <a:ext cx="4340707" cy="2107262"/>
           </a:xfrm>
           <a:prstGeom prst="rect">
             <a:avLst/>
@@ -5345,7 +5680,7 @@
           <p:cNvPr id="5" name="Immagine 4">
             <a:extLst>
               <a:ext uri="{FF2B5EF4-FFF2-40B4-BE49-F238E27FC236}">
-                <a16:creationId xmlns:a16="http://schemas.microsoft.com/office/drawing/2014/main" id="{BC670A83-CE46-466B-A862-C70915555B9E}"/>
+                <a16:creationId xmlns:a16="http://schemas.microsoft.com/office/drawing/2014/main" id="{8E5363CF-AA31-4A93-93A4-5DFF7A53191F}"/>
               </a:ext>
             </a:extLst>
           </p:cNvPr>
@@ -5362,8 +5697,8 @@
         </p:blipFill>
         <p:spPr>
           <a:xfrm>
-            <a:off x="6829250" y="898422"/>
-            <a:ext cx="5390564" cy="2773245"/>
+            <a:off x="4777923" y="1001698"/>
+            <a:ext cx="7269522" cy="2768444"/>
           </a:xfrm>
           <a:prstGeom prst="rect">
             <a:avLst/>
@@ -5373,7 +5708,7 @@
     </p:spTree>
     <p:extLst>
       <p:ext uri="{BB962C8B-B14F-4D97-AF65-F5344CB8AC3E}">
-        <p14:creationId xmlns:p14="http://schemas.microsoft.com/office/powerpoint/2010/main" val="1487154497"/>
+        <p14:creationId xmlns:p14="http://schemas.microsoft.com/office/powerpoint/2010/main" val="3418547490"/>
       </p:ext>
     </p:extLst>
   </p:cSld>
